--- a/PresentationDocs/HobbyAshillPathakSoftwareMarch16.pptx
+++ b/PresentationDocs/HobbyAshillPathakSoftwareMarch16.pptx
@@ -126,6 +126,14 @@
 </p:presentation>
 </file>
 
+<file path=ppt/revisionInfo.xml><?xml version="1.0" encoding="utf-8"?>
+<p1510:revInfo xmlns:a="http://schemas.openxmlformats.org/drawingml/2006/main" xmlns:r="http://schemas.openxmlformats.org/officeDocument/2006/relationships" xmlns:p1510="http://schemas.microsoft.com/office/powerpoint/2015/10/main">
+  <p1510:revLst>
+    <p1510:client id="{B5163351-88E3-4113-A7FF-B2342F508F8D}" v="18" dt="2020-05-20T10:58:45.191"/>
+  </p1510:revLst>
+</p1510:revInfo>
+</file>
+
 <file path=ppt/slideLayouts/slideLayout1.xml><?xml version="1.0" encoding="utf-8"?>
 <p:sldLayout xmlns:a="http://schemas.openxmlformats.org/drawingml/2006/main" xmlns:r="http://schemas.openxmlformats.org/officeDocument/2006/relationships" xmlns:p="http://schemas.openxmlformats.org/presentationml/2006/main" type="title" preserve="1">
   <p:cSld name="Title Slide">
@@ -275,7 +283,7 @@
           <a:p>
             <a:fld id="{4DB36737-5080-49AA-BFC5-73BCE4A12739}" type="datetimeFigureOut">
               <a:rPr lang="en-GB" smtClean="0"/>
-              <a:t>19/05/2020</a:t>
+              <a:t>20/05/2020</a:t>
             </a:fld>
             <a:endParaRPr lang="en-GB"/>
           </a:p>
@@ -475,7 +483,7 @@
           <a:p>
             <a:fld id="{4DB36737-5080-49AA-BFC5-73BCE4A12739}" type="datetimeFigureOut">
               <a:rPr lang="en-GB" smtClean="0"/>
-              <a:t>19/05/2020</a:t>
+              <a:t>20/05/2020</a:t>
             </a:fld>
             <a:endParaRPr lang="en-GB"/>
           </a:p>
@@ -685,7 +693,7 @@
           <a:p>
             <a:fld id="{4DB36737-5080-49AA-BFC5-73BCE4A12739}" type="datetimeFigureOut">
               <a:rPr lang="en-GB" smtClean="0"/>
-              <a:t>19/05/2020</a:t>
+              <a:t>20/05/2020</a:t>
             </a:fld>
             <a:endParaRPr lang="en-GB"/>
           </a:p>
@@ -885,7 +893,7 @@
           <a:p>
             <a:fld id="{4DB36737-5080-49AA-BFC5-73BCE4A12739}" type="datetimeFigureOut">
               <a:rPr lang="en-GB" smtClean="0"/>
-              <a:t>19/05/2020</a:t>
+              <a:t>20/05/2020</a:t>
             </a:fld>
             <a:endParaRPr lang="en-GB"/>
           </a:p>
@@ -1161,7 +1169,7 @@
           <a:p>
             <a:fld id="{4DB36737-5080-49AA-BFC5-73BCE4A12739}" type="datetimeFigureOut">
               <a:rPr lang="en-GB" smtClean="0"/>
-              <a:t>19/05/2020</a:t>
+              <a:t>20/05/2020</a:t>
             </a:fld>
             <a:endParaRPr lang="en-GB"/>
           </a:p>
@@ -1429,7 +1437,7 @@
           <a:p>
             <a:fld id="{4DB36737-5080-49AA-BFC5-73BCE4A12739}" type="datetimeFigureOut">
               <a:rPr lang="en-GB" smtClean="0"/>
-              <a:t>19/05/2020</a:t>
+              <a:t>20/05/2020</a:t>
             </a:fld>
             <a:endParaRPr lang="en-GB"/>
           </a:p>
@@ -1844,7 +1852,7 @@
           <a:p>
             <a:fld id="{4DB36737-5080-49AA-BFC5-73BCE4A12739}" type="datetimeFigureOut">
               <a:rPr lang="en-GB" smtClean="0"/>
-              <a:t>19/05/2020</a:t>
+              <a:t>20/05/2020</a:t>
             </a:fld>
             <a:endParaRPr lang="en-GB"/>
           </a:p>
@@ -1986,7 +1994,7 @@
           <a:p>
             <a:fld id="{4DB36737-5080-49AA-BFC5-73BCE4A12739}" type="datetimeFigureOut">
               <a:rPr lang="en-GB" smtClean="0"/>
-              <a:t>19/05/2020</a:t>
+              <a:t>20/05/2020</a:t>
             </a:fld>
             <a:endParaRPr lang="en-GB"/>
           </a:p>
@@ -2099,7 +2107,7 @@
           <a:p>
             <a:fld id="{4DB36737-5080-49AA-BFC5-73BCE4A12739}" type="datetimeFigureOut">
               <a:rPr lang="en-GB" smtClean="0"/>
-              <a:t>19/05/2020</a:t>
+              <a:t>20/05/2020</a:t>
             </a:fld>
             <a:endParaRPr lang="en-GB"/>
           </a:p>
@@ -2412,7 +2420,7 @@
           <a:p>
             <a:fld id="{4DB36737-5080-49AA-BFC5-73BCE4A12739}" type="datetimeFigureOut">
               <a:rPr lang="en-GB" smtClean="0"/>
-              <a:t>19/05/2020</a:t>
+              <a:t>20/05/2020</a:t>
             </a:fld>
             <a:endParaRPr lang="en-GB"/>
           </a:p>
@@ -2701,7 +2709,7 @@
           <a:p>
             <a:fld id="{4DB36737-5080-49AA-BFC5-73BCE4A12739}" type="datetimeFigureOut">
               <a:rPr lang="en-GB" smtClean="0"/>
-              <a:t>19/05/2020</a:t>
+              <a:t>20/05/2020</a:t>
             </a:fld>
             <a:endParaRPr lang="en-GB"/>
           </a:p>
@@ -2944,7 +2952,7 @@
           <a:p>
             <a:fld id="{4DB36737-5080-49AA-BFC5-73BCE4A12739}" type="datetimeFigureOut">
               <a:rPr lang="en-GB" smtClean="0"/>
-              <a:t>19/05/2020</a:t>
+              <a:t>20/05/2020</a:t>
             </a:fld>
             <a:endParaRPr lang="en-GB"/>
           </a:p>
@@ -8899,56 +8907,64 @@
           <a:lstStyle/>
           <a:p>
             <a:r>
-              <a:rPr lang="en-GB" sz="2400"/>
+              <a:rPr lang="en-GB" sz="2400" dirty="0"/>
               <a:t>Kanban board (</a:t>
             </a:r>
             <a:r>
-              <a:rPr lang="en-GB" sz="2400">
+              <a:rPr lang="en-GB" sz="2400" dirty="0">
                 <a:hlinkClick r:id="rId2"/>
               </a:rPr>
-              <a:t>https://trello.com/b/jmwfhEsA/ims-project-softewaremarch2016</a:t>
-            </a:r>
-            <a:r>
-              <a:rPr lang="en-GB" sz="2400"/>
+              <a:t>https://github.com/Ashillqa/SoftwareMarch16Project2</a:t>
+            </a:r>
+            <a:r>
+              <a:rPr lang="en-GB" sz="2400" dirty="0"/>
               <a:t>)</a:t>
             </a:r>
           </a:p>
           <a:p>
             <a:r>
-              <a:rPr lang="en-GB" sz="2400"/>
+              <a:rPr lang="en-GB" sz="2400" dirty="0"/>
               <a:t>GCP database minimum 3 tables</a:t>
             </a:r>
           </a:p>
           <a:p>
             <a:r>
-              <a:rPr lang="en-GB" sz="2400"/>
+              <a:rPr lang="en-GB" sz="2400" dirty="0"/>
               <a:t>Fully functioning app (demo) – CRUD</a:t>
             </a:r>
           </a:p>
           <a:p>
             <a:r>
-              <a:rPr lang="en-GB" sz="2400"/>
-              <a:t>Unit tests and applying sonarqube to improve coverage</a:t>
-            </a:r>
-          </a:p>
-          <a:p>
-            <a:r>
-              <a:rPr lang="en-GB" sz="2400"/>
+              <a:rPr lang="en-GB" sz="2400" dirty="0"/>
+              <a:t>Unit tests and applying </a:t>
+            </a:r>
+            <a:r>
+              <a:rPr lang="en-GB" sz="2400" dirty="0" err="1"/>
+              <a:t>sonarqube</a:t>
+            </a:r>
+            <a:r>
+              <a:rPr lang="en-GB" sz="2400" dirty="0"/>
+              <a:t> to improve coverage</a:t>
+            </a:r>
+          </a:p>
+          <a:p>
+            <a:r>
+              <a:rPr lang="en-GB" sz="2400" dirty="0"/>
               <a:t>Version control system – (</a:t>
             </a:r>
             <a:r>
-              <a:rPr lang="en-GB" sz="2400">
-                <a:hlinkClick r:id="rId3"/>
+              <a:rPr lang="en-GB" sz="2400" dirty="0">
+                <a:hlinkClick r:id="rId2"/>
               </a:rPr>
-              <a:t>https://github.com/Ashillqa/IMSprojectSoftwareMarch16</a:t>
-            </a:r>
-            <a:r>
-              <a:rPr lang="en-GB" sz="2400"/>
+              <a:t>https://github.com/Ashillqa/SoftwareMarch16Project2</a:t>
+            </a:r>
+            <a:r>
+              <a:rPr lang="en-GB" sz="2400" dirty="0"/>
               <a:t>)</a:t>
             </a:r>
           </a:p>
           <a:p>
-            <a:endParaRPr lang="en-GB" sz="2400"/>
+            <a:endParaRPr lang="en-GB" sz="2400" dirty="0"/>
           </a:p>
         </p:txBody>
       </p:sp>
